--- a/source/Security/images_CSRF/materialCSRF.pptx
+++ b/source/Security/images_CSRF/materialCSRF.pptx
@@ -209,7 +209,7 @@
             <a:fld id="{3BB47352-BF5A-4CD2-B029-996118CD8E01}" type="datetimeFigureOut">
               <a:rPr kumimoji="1" lang="ja-JP" altLang="en-US" smtClean="0"/>
               <a:pPr/>
-              <a:t>2016/1/14</a:t>
+              <a:t>2016/1/28</a:t>
             </a:fld>
             <a:endParaRPr kumimoji="1" lang="ja-JP" altLang="en-US"/>
           </a:p>
@@ -692,7 +692,7 @@
             <a:fld id="{7B9B12EC-6AA0-374B-A2D3-850081A07A26}" type="datetimeFigureOut">
               <a:rPr kumimoji="1" lang="ja-JP" altLang="en-US" smtClean="0"/>
               <a:pPr/>
-              <a:t>2016/1/14</a:t>
+              <a:t>2016/1/28</a:t>
             </a:fld>
             <a:endParaRPr kumimoji="1" lang="ja-JP" altLang="en-US"/>
           </a:p>
@@ -896,7 +896,7 @@
             <a:fld id="{7B9B12EC-6AA0-374B-A2D3-850081A07A26}" type="datetimeFigureOut">
               <a:rPr kumimoji="1" lang="ja-JP" altLang="en-US" smtClean="0"/>
               <a:pPr/>
-              <a:t>2016/1/14</a:t>
+              <a:t>2016/1/28</a:t>
             </a:fld>
             <a:endParaRPr kumimoji="1" lang="ja-JP" altLang="en-US"/>
           </a:p>
@@ -1110,7 +1110,7 @@
             <a:fld id="{7B9B12EC-6AA0-374B-A2D3-850081A07A26}" type="datetimeFigureOut">
               <a:rPr kumimoji="1" lang="ja-JP" altLang="en-US" smtClean="0"/>
               <a:pPr/>
-              <a:t>2016/1/14</a:t>
+              <a:t>2016/1/28</a:t>
             </a:fld>
             <a:endParaRPr kumimoji="1" lang="ja-JP" altLang="en-US"/>
           </a:p>
@@ -1314,7 +1314,7 @@
             <a:fld id="{7B9B12EC-6AA0-374B-A2D3-850081A07A26}" type="datetimeFigureOut">
               <a:rPr kumimoji="1" lang="ja-JP" altLang="en-US" smtClean="0"/>
               <a:pPr/>
-              <a:t>2016/1/14</a:t>
+              <a:t>2016/1/28</a:t>
             </a:fld>
             <a:endParaRPr kumimoji="1" lang="ja-JP" altLang="en-US"/>
           </a:p>
@@ -1562,7 +1562,7 @@
             <a:fld id="{7B9B12EC-6AA0-374B-A2D3-850081A07A26}" type="datetimeFigureOut">
               <a:rPr kumimoji="1" lang="ja-JP" altLang="en-US" smtClean="0"/>
               <a:pPr/>
-              <a:t>2016/1/14</a:t>
+              <a:t>2016/1/28</a:t>
             </a:fld>
             <a:endParaRPr kumimoji="1" lang="ja-JP" altLang="en-US"/>
           </a:p>
@@ -1916,7 +1916,7 @@
             <a:fld id="{7B9B12EC-6AA0-374B-A2D3-850081A07A26}" type="datetimeFigureOut">
               <a:rPr kumimoji="1" lang="ja-JP" altLang="en-US" smtClean="0"/>
               <a:pPr/>
-              <a:t>2016/1/14</a:t>
+              <a:t>2016/1/28</a:t>
             </a:fld>
             <a:endParaRPr kumimoji="1" lang="ja-JP" altLang="en-US"/>
           </a:p>
@@ -2404,7 +2404,7 @@
             <a:fld id="{7B9B12EC-6AA0-374B-A2D3-850081A07A26}" type="datetimeFigureOut">
               <a:rPr kumimoji="1" lang="ja-JP" altLang="en-US" smtClean="0"/>
               <a:pPr/>
-              <a:t>2016/1/14</a:t>
+              <a:t>2016/1/28</a:t>
             </a:fld>
             <a:endParaRPr kumimoji="1" lang="ja-JP" altLang="en-US"/>
           </a:p>
@@ -2524,7 +2524,7 @@
             <a:fld id="{7B9B12EC-6AA0-374B-A2D3-850081A07A26}" type="datetimeFigureOut">
               <a:rPr kumimoji="1" lang="ja-JP" altLang="en-US" smtClean="0"/>
               <a:pPr/>
-              <a:t>2016/1/14</a:t>
+              <a:t>2016/1/28</a:t>
             </a:fld>
             <a:endParaRPr kumimoji="1" lang="ja-JP" altLang="en-US"/>
           </a:p>
@@ -2621,7 +2621,7 @@
             <a:fld id="{7B9B12EC-6AA0-374B-A2D3-850081A07A26}" type="datetimeFigureOut">
               <a:rPr kumimoji="1" lang="ja-JP" altLang="en-US" smtClean="0"/>
               <a:pPr/>
-              <a:t>2016/1/14</a:t>
+              <a:t>2016/1/28</a:t>
             </a:fld>
             <a:endParaRPr kumimoji="1" lang="ja-JP" altLang="en-US"/>
           </a:p>
@@ -2932,7 +2932,7 @@
             <a:fld id="{7B9B12EC-6AA0-374B-A2D3-850081A07A26}" type="datetimeFigureOut">
               <a:rPr kumimoji="1" lang="ja-JP" altLang="en-US" smtClean="0"/>
               <a:pPr/>
-              <a:t>2016/1/14</a:t>
+              <a:t>2016/1/28</a:t>
             </a:fld>
             <a:endParaRPr kumimoji="1" lang="ja-JP" altLang="en-US"/>
           </a:p>
@@ -3187,7 +3187,7 @@
             <a:fld id="{7B9B12EC-6AA0-374B-A2D3-850081A07A26}" type="datetimeFigureOut">
               <a:rPr kumimoji="1" lang="ja-JP" altLang="en-US" smtClean="0"/>
               <a:pPr/>
-              <a:t>2016/1/14</a:t>
+              <a:t>2016/1/28</a:t>
             </a:fld>
             <a:endParaRPr kumimoji="1" lang="ja-JP" altLang="en-US"/>
           </a:p>
@@ -3434,7 +3434,7 @@
             <a:fld id="{7B9B12EC-6AA0-374B-A2D3-850081A07A26}" type="datetimeFigureOut">
               <a:rPr kumimoji="1" lang="ja-JP" altLang="en-US" smtClean="0"/>
               <a:pPr/>
-              <a:t>2016/1/14</a:t>
+              <a:t>2016/1/28</a:t>
             </a:fld>
             <a:endParaRPr kumimoji="1" lang="ja-JP" altLang="en-US"/>
           </a:p>
@@ -4094,16 +4094,6 @@
               </a:rPr>
               <a:t>Client</a:t>
             </a:r>
-            <a:endParaRPr kumimoji="1" lang="en-US" altLang="ja-JP" b="1" dirty="0" smtClean="0">
-              <a:solidFill>
-                <a:schemeClr val="tx1">
-                  <a:lumMod val="75000"/>
-                  <a:lumOff val="25000"/>
-                </a:schemeClr>
-              </a:solidFill>
-              <a:latin typeface="HGP創英角ｺﾞｼｯｸUB" panose="020B0900000000000000" pitchFamily="50" charset="-128"/>
-              <a:ea typeface="HGP創英角ｺﾞｼｯｸUB" panose="020B0900000000000000" pitchFamily="50" charset="-128"/>
-            </a:endParaRPr>
           </a:p>
           <a:p>
             <a:pPr algn="ctr"/>
@@ -4249,16 +4239,6 @@
               </a:rPr>
               <a:t>Application Server</a:t>
             </a:r>
-            <a:endParaRPr kumimoji="1" lang="en-US" altLang="ja-JP" b="1" dirty="0" smtClean="0">
-              <a:solidFill>
-                <a:schemeClr val="tx1">
-                  <a:lumMod val="75000"/>
-                  <a:lumOff val="25000"/>
-                </a:schemeClr>
-              </a:solidFill>
-              <a:latin typeface="HGP創英角ｺﾞｼｯｸUB" panose="020B0900000000000000" pitchFamily="50" charset="-128"/>
-              <a:ea typeface="HGP創英角ｺﾞｼｯｸUB" panose="020B0900000000000000" pitchFamily="50" charset="-128"/>
-            </a:endParaRPr>
           </a:p>
           <a:p>
             <a:pPr algn="ctr"/>
@@ -4480,20 +4460,7 @@
                 <a:latin typeface="HGP創英角ｺﾞｼｯｸUB" panose="020B0900000000000000" pitchFamily="50" charset="-128"/>
                 <a:ea typeface="HGP創英角ｺﾞｼｯｸUB" panose="020B0900000000000000" pitchFamily="50" charset="-128"/>
               </a:rPr>
-              <a:t>(hidden</a:t>
-            </a:r>
-            <a:r>
-              <a:rPr kumimoji="1" lang="en-US" altLang="ja-JP" b="1" dirty="0" smtClean="0">
-                <a:solidFill>
-                  <a:schemeClr val="tx1">
-                    <a:lumMod val="75000"/>
-                    <a:lumOff val="25000"/>
-                  </a:schemeClr>
-                </a:solidFill>
-                <a:latin typeface="HGP創英角ｺﾞｼｯｸUB" panose="020B0900000000000000" pitchFamily="50" charset="-128"/>
-                <a:ea typeface="HGP創英角ｺﾞｼｯｸUB" panose="020B0900000000000000" pitchFamily="50" charset="-128"/>
-              </a:rPr>
-              <a:t>)</a:t>
+              <a:t>(hidden)</a:t>
             </a:r>
             <a:endParaRPr kumimoji="1" lang="ja-JP" altLang="en-US" b="1" dirty="0">
               <a:solidFill>
@@ -4564,14 +4531,14 @@
           <a:p>
             <a:pPr algn="ctr"/>
             <a:r>
-              <a:rPr lang="ja-JP" altLang="en-US" b="1" dirty="0">
+              <a:rPr lang="en-US" altLang="ja-JP" b="1" dirty="0" smtClean="0">
                 <a:solidFill>
                   <a:schemeClr val="bg1"/>
                 </a:solidFill>
                 <a:latin typeface="HGP創英角ｺﾞｼｯｸUB" panose="020B0900000000000000" pitchFamily="50" charset="-128"/>
                 <a:ea typeface="HGP創英角ｺﾞｼｯｸUB" panose="020B0900000000000000" pitchFamily="50" charset="-128"/>
               </a:rPr>
-              <a:t>セッション</a:t>
+              <a:t>Session</a:t>
             </a:r>
             <a:endParaRPr kumimoji="1" lang="ja-JP" altLang="en-US" b="1" dirty="0">
               <a:solidFill>
@@ -4660,16 +4627,6 @@
               </a:rPr>
               <a:t>token</a:t>
             </a:r>
-            <a:endParaRPr lang="en-US" altLang="ja-JP" sz="1600" b="1" dirty="0" smtClean="0">
-              <a:solidFill>
-                <a:schemeClr val="tx1">
-                  <a:lumMod val="75000"/>
-                  <a:lumOff val="25000"/>
-                </a:schemeClr>
-              </a:solidFill>
-              <a:latin typeface="HGP創英角ｺﾞｼｯｸUB" panose="020B0900000000000000" pitchFamily="50" charset="-128"/>
-              <a:ea typeface="HGP創英角ｺﾞｼｯｸUB" panose="020B0900000000000000" pitchFamily="50" charset="-128"/>
-            </a:endParaRPr>
           </a:p>
           <a:p>
             <a:pPr algn="ctr"/>
@@ -4739,20 +4696,7 @@
                 <a:latin typeface="HGP創英角ｺﾞｼｯｸUB" panose="020B0900000000000000" pitchFamily="50" charset="-128"/>
                 <a:ea typeface="HGP創英角ｺﾞｼｯｸUB" panose="020B0900000000000000" pitchFamily="50" charset="-128"/>
               </a:rPr>
-              <a:t> </a:t>
-            </a:r>
-            <a:r>
-              <a:rPr lang="en-US" altLang="ja-JP" sz="1600" b="1" dirty="0" smtClean="0">
-                <a:solidFill>
-                  <a:schemeClr val="tx1">
-                    <a:lumMod val="75000"/>
-                    <a:lumOff val="25000"/>
-                  </a:schemeClr>
-                </a:solidFill>
-                <a:latin typeface="HGP創英角ｺﾞｼｯｸUB" panose="020B0900000000000000" pitchFamily="50" charset="-128"/>
-                <a:ea typeface="HGP創英角ｺﾞｼｯｸUB" panose="020B0900000000000000" pitchFamily="50" charset="-128"/>
-              </a:rPr>
-              <a:t>= </a:t>
+              <a:t> = </a:t>
             </a:r>
             <a:r>
               <a:rPr lang="en-US" altLang="ja-JP" sz="1600" b="1" dirty="0" err="1" smtClean="0">
@@ -5866,16 +5810,6 @@
               </a:rPr>
               <a:t>will be checked</a:t>
             </a:r>
-            <a:endParaRPr kumimoji="1" lang="en-US" altLang="ja-JP" sz="1600" dirty="0" smtClean="0">
-              <a:solidFill>
-                <a:schemeClr val="tx1">
-                  <a:lumMod val="75000"/>
-                  <a:lumOff val="25000"/>
-                </a:schemeClr>
-              </a:solidFill>
-              <a:latin typeface="HGP創英角ｺﾞｼｯｸUB" panose="020B0900000000000000" pitchFamily="50" charset="-128"/>
-              <a:ea typeface="HGP創英角ｺﾞｼｯｸUB" panose="020B0900000000000000" pitchFamily="50" charset="-128"/>
-            </a:endParaRPr>
           </a:p>
         </p:txBody>
       </p:sp>
@@ -6258,16 +6192,6 @@
               </a:rPr>
               <a:t>will not be checked</a:t>
             </a:r>
-            <a:endParaRPr kumimoji="1" lang="en-US" altLang="ja-JP" sz="1600" dirty="0" smtClean="0">
-              <a:solidFill>
-                <a:schemeClr val="tx1">
-                  <a:lumMod val="75000"/>
-                  <a:lumOff val="25000"/>
-                </a:schemeClr>
-              </a:solidFill>
-              <a:latin typeface="HGP創英角ｺﾞｼｯｸUB" panose="020B0900000000000000" pitchFamily="50" charset="-128"/>
-              <a:ea typeface="HGP創英角ｺﾞｼｯｸUB" panose="020B0900000000000000" pitchFamily="50" charset="-128"/>
-            </a:endParaRPr>
           </a:p>
         </p:txBody>
       </p:sp>
